--- a/1_preparation/T_Square_Preparation_Slides.pptx
+++ b/1_preparation/T_Square_Preparation_Slides.pptx
@@ -263,6 +263,51 @@
 </p:presentation>
 </file>
 
+<file path=ppt/revisionInfo.xml><?xml version="1.0" encoding="utf-8"?>
+<p1510:revInfo xmlns:a="http://schemas.openxmlformats.org/drawingml/2006/main" xmlns:r="http://schemas.openxmlformats.org/officeDocument/2006/relationships" xmlns:p1510="http://schemas.microsoft.com/office/powerpoint/2015/10/main">
+  <p1510:revLst>
+    <p1510:client id="{839EBDEE-BFA0-7923-2BB7-EA9454ED1120}" v="7" dt="2023-05-10T14:15:15.091"/>
+  </p1510:revLst>
+</p1510:revInfo>
+</file>
+
+<file path=ppt/changesInfos/changesInfo1.xml><?xml version="1.0" encoding="utf-8"?>
+<pc:chgInfo xmlns:a="http://schemas.openxmlformats.org/drawingml/2006/main" xmlns:r="http://schemas.openxmlformats.org/officeDocument/2006/relationships" xmlns:ac="http://schemas.microsoft.com/office/drawing/2013/main/command" xmlns:pc="http://schemas.microsoft.com/office/powerpoint/2013/main/command">
+  <pc:docChgLst>
+    <pc:chgData name="Timo Scheerer" userId="S::scheeret@students.uni-marburg.de::6aa05096-970e-4492-bb75-e2c56c94e72a" providerId="AD" clId="Web-{839EBDEE-BFA0-7923-2BB7-EA9454ED1120}"/>
+    <pc:docChg chg="modSld">
+      <pc:chgData name="Timo Scheerer" userId="S::scheeret@students.uni-marburg.de::6aa05096-970e-4492-bb75-e2c56c94e72a" providerId="AD" clId="Web-{839EBDEE-BFA0-7923-2BB7-EA9454ED1120}" dt="2023-05-10T14:15:15.091" v="5" actId="20577"/>
+      <pc:docMkLst>
+        <pc:docMk/>
+      </pc:docMkLst>
+      <pc:sldChg chg="addSp modSp">
+        <pc:chgData name="Timo Scheerer" userId="S::scheeret@students.uni-marburg.de::6aa05096-970e-4492-bb75-e2c56c94e72a" providerId="AD" clId="Web-{839EBDEE-BFA0-7923-2BB7-EA9454ED1120}" dt="2023-05-10T14:15:15.091" v="5" actId="20577"/>
+        <pc:sldMkLst>
+          <pc:docMk/>
+          <pc:sldMk cId="1995707059" sldId="538"/>
+        </pc:sldMkLst>
+        <pc:spChg chg="mod">
+          <ac:chgData name="Timo Scheerer" userId="S::scheeret@students.uni-marburg.de::6aa05096-970e-4492-bb75-e2c56c94e72a" providerId="AD" clId="Web-{839EBDEE-BFA0-7923-2BB7-EA9454ED1120}" dt="2023-05-10T14:15:15.091" v="5" actId="20577"/>
+          <ac:spMkLst>
+            <pc:docMk/>
+            <pc:sldMk cId="1995707059" sldId="538"/>
+            <ac:spMk id="2" creationId="{EF5A25EF-9C8B-CCC5-394B-F8AD9473D169}"/>
+          </ac:spMkLst>
+        </pc:spChg>
+        <pc:picChg chg="add mod">
+          <ac:chgData name="Timo Scheerer" userId="S::scheeret@students.uni-marburg.de::6aa05096-970e-4492-bb75-e2c56c94e72a" providerId="AD" clId="Web-{839EBDEE-BFA0-7923-2BB7-EA9454ED1120}" dt="2023-05-10T14:15:05.872" v="3" actId="14100"/>
+          <ac:picMkLst>
+            <pc:docMk/>
+            <pc:sldMk cId="1995707059" sldId="538"/>
+            <ac:picMk id="7" creationId="{D7A1BF2E-9D87-3320-1A52-106BA924F2C0}"/>
+          </ac:picMkLst>
+        </pc:picChg>
+      </pc:sldChg>
+    </pc:docChg>
+  </pc:docChgLst>
+</pc:chgInfo>
+</file>
+
 <file path=ppt/handoutMasters/handoutMaster1.xml><?xml version="1.0" encoding="utf-8"?>
 <p:handoutMaster xmlns:a="http://schemas.openxmlformats.org/drawingml/2006/main" xmlns:r="http://schemas.openxmlformats.org/officeDocument/2006/relationships" xmlns:p="http://schemas.openxmlformats.org/presentationml/2006/main">
   <p:cSld>
@@ -350,7 +395,7 @@
             <a:fld id="{AA592FF2-A4BD-4E98-AC76-A10007E04C10}" type="datetimeFigureOut">
               <a:rPr lang="en-US" smtClean="0"/>
               <a:pPr/>
-              <a:t>5/8/23</a:t>
+              <a:t>5/10/2023</a:t>
             </a:fld>
             <a:endParaRPr lang="en-US" dirty="0"/>
           </a:p>
@@ -421,7 +466,7 @@
             <a:fld id="{4CBF50E3-ED67-46F2-ABFC-A36EE1082CF7}" type="slidenum">
               <a:rPr lang="en-US" b="1" smtClean="0"/>
               <a:pPr/>
-              <a:t>‹#›</a:t>
+              <a:t>‹Nr.›</a:t>
             </a:fld>
             <a:endParaRPr lang="en-US" b="1" dirty="0"/>
           </a:p>
@@ -1207,7 +1252,7 @@
             <a:fld id="{AA592FF2-A4BD-4E98-AC76-A10007E04C10}" type="datetimeFigureOut">
               <a:rPr lang="en-US" smtClean="0"/>
               <a:pPr/>
-              <a:t>5/8/23</a:t>
+              <a:t>5/10/2023</a:t>
             </a:fld>
             <a:endParaRPr lang="en-US" dirty="0"/>
           </a:p>
@@ -1368,7 +1413,7 @@
             <a:fld id="{4CBF50E3-ED67-46F2-ABFC-A36EE1082CF7}" type="slidenum">
               <a:rPr lang="en-US" b="1" smtClean="0"/>
               <a:pPr/>
-              <a:t>‹#›</a:t>
+              <a:t>‹Nr.›</a:t>
             </a:fld>
             <a:endParaRPr lang="en-US" b="1" dirty="0"/>
           </a:p>
@@ -3182,7 +3227,7 @@
             <a:fld id="{91D913BA-B0D8-4B51-9328-DFAA0B370309}" type="slidenum">
               <a:rPr lang="en-US" b="1" smtClean="0"/>
               <a:pPr/>
-              <a:t>‹#›</a:t>
+              <a:t>‹Nr.›</a:t>
             </a:fld>
             <a:endParaRPr lang="en-US" b="1" dirty="0"/>
           </a:p>
@@ -6057,7 +6102,7 @@
                 </a:solidFill>
               </a:rPr>
               <a:pPr/>
-              <a:t>‹#›</a:t>
+              <a:t>‹Nr.›</a:t>
             </a:fld>
             <a:endParaRPr lang="de-DE">
               <a:solidFill>
@@ -6294,7 +6339,7 @@
                 </a:solidFill>
               </a:rPr>
               <a:pPr/>
-              <a:t>‹#›</a:t>
+              <a:t>‹Nr.›</a:t>
             </a:fld>
             <a:endParaRPr lang="de-DE">
               <a:solidFill>
@@ -6514,7 +6559,7 @@
                 </a:solidFill>
               </a:rPr>
               <a:pPr/>
-              <a:t>‹#›</a:t>
+              <a:t>‹Nr.›</a:t>
             </a:fld>
             <a:endParaRPr lang="de-DE">
               <a:solidFill>
@@ -6829,7 +6874,7 @@
                 </a:solidFill>
               </a:rPr>
               <a:pPr/>
-              <a:t>‹#›</a:t>
+              <a:t>‹Nr.›</a:t>
             </a:fld>
             <a:endParaRPr lang="de-DE">
               <a:solidFill>
@@ -7571,7 +7616,7 @@
                 </a:solidFill>
               </a:rPr>
               <a:pPr/>
-              <a:t>‹#›</a:t>
+              <a:t>‹Nr.›</a:t>
             </a:fld>
             <a:endParaRPr lang="de-DE">
               <a:solidFill>
@@ -8765,7 +8810,7 @@
                 </a:solidFill>
               </a:rPr>
               <a:pPr/>
-              <a:t>‹#›</a:t>
+              <a:t>‹Nr.›</a:t>
             </a:fld>
             <a:endParaRPr lang="de-DE">
               <a:solidFill>
@@ -9091,7 +9136,7 @@
                 </a:solidFill>
               </a:rPr>
               <a:pPr/>
-              <a:t>‹#›</a:t>
+              <a:t>‹Nr.›</a:t>
             </a:fld>
             <a:endParaRPr lang="de-DE">
               <a:solidFill>
@@ -9417,7 +9462,7 @@
                 </a:solidFill>
               </a:rPr>
               <a:pPr/>
-              <a:t>‹#›</a:t>
+              <a:t>‹Nr.›</a:t>
             </a:fld>
             <a:endParaRPr lang="de-DE">
               <a:solidFill>
@@ -9743,7 +9788,7 @@
                 </a:solidFill>
               </a:rPr>
               <a:pPr/>
-              <a:t>‹#›</a:t>
+              <a:t>‹Nr.›</a:t>
             </a:fld>
             <a:endParaRPr lang="de-DE">
               <a:solidFill>
@@ -10001,7 +10046,7 @@
                 </a:solidFill>
               </a:rPr>
               <a:pPr/>
-              <a:t>‹#›</a:t>
+              <a:t>‹Nr.›</a:t>
             </a:fld>
             <a:endParaRPr lang="de-DE">
               <a:solidFill>
@@ -10480,7 +10525,7 @@
                 </a:solidFill>
               </a:rPr>
               <a:pPr/>
-              <a:t>‹#›</a:t>
+              <a:t>‹Nr.›</a:t>
             </a:fld>
             <a:endParaRPr lang="de-DE">
               <a:solidFill>
@@ -10664,7 +10709,7 @@
                 </a:solidFill>
               </a:rPr>
               <a:pPr/>
-              <a:t>‹#›</a:t>
+              <a:t>‹Nr.›</a:t>
             </a:fld>
             <a:endParaRPr lang="de-DE">
               <a:solidFill>
@@ -11424,7 +11469,7 @@
             <a:fld id="{91D913BA-B0D8-4B51-9328-DFAA0B370309}" type="slidenum">
               <a:rPr lang="en-US" b="1" smtClean="0"/>
               <a:pPr/>
-              <a:t>‹#›</a:t>
+              <a:t>‹Nr.›</a:t>
             </a:fld>
             <a:endParaRPr lang="en-US" b="1" dirty="0"/>
           </a:p>
@@ -13497,7 +13542,7 @@
                 </a:solidFill>
               </a:rPr>
               <a:pPr/>
-              <a:t>‹#›</a:t>
+              <a:t>‹Nr.›</a:t>
             </a:fld>
             <a:endParaRPr lang="de-DE">
               <a:solidFill>
@@ -13734,7 +13779,7 @@
                 </a:solidFill>
               </a:rPr>
               <a:pPr/>
-              <a:t>‹#›</a:t>
+              <a:t>‹Nr.›</a:t>
             </a:fld>
             <a:endParaRPr lang="de-DE">
               <a:solidFill>
@@ -13954,7 +13999,7 @@
                 </a:solidFill>
               </a:rPr>
               <a:pPr/>
-              <a:t>‹#›</a:t>
+              <a:t>‹Nr.›</a:t>
             </a:fld>
             <a:endParaRPr lang="de-DE">
               <a:solidFill>
@@ -14269,7 +14314,7 @@
                 </a:solidFill>
               </a:rPr>
               <a:pPr/>
-              <a:t>‹#›</a:t>
+              <a:t>‹Nr.›</a:t>
             </a:fld>
             <a:endParaRPr lang="de-DE">
               <a:solidFill>
@@ -14730,7 +14775,7 @@
                 </a:solidFill>
               </a:rPr>
               <a:pPr/>
-              <a:t>‹#›</a:t>
+              <a:t>‹Nr.›</a:t>
             </a:fld>
             <a:endParaRPr lang="de-DE">
               <a:solidFill>
@@ -15924,7 +15969,7 @@
                 </a:solidFill>
               </a:rPr>
               <a:pPr/>
-              <a:t>‹#›</a:t>
+              <a:t>‹Nr.›</a:t>
             </a:fld>
             <a:endParaRPr lang="de-DE">
               <a:solidFill>
@@ -16250,7 +16295,7 @@
                 </a:solidFill>
               </a:rPr>
               <a:pPr/>
-              <a:t>‹#›</a:t>
+              <a:t>‹Nr.›</a:t>
             </a:fld>
             <a:endParaRPr lang="de-DE">
               <a:solidFill>
@@ -16562,7 +16607,7 @@
             <a:fld id="{91D913BA-B0D8-4B51-9328-DFAA0B370309}" type="slidenum">
               <a:rPr lang="en-US" b="1" smtClean="0"/>
               <a:pPr/>
-              <a:t>‹#›</a:t>
+              <a:t>‹Nr.›</a:t>
             </a:fld>
             <a:endParaRPr lang="en-US" b="1" dirty="0"/>
           </a:p>
@@ -16831,7 +16876,7 @@
                 </a:solidFill>
               </a:rPr>
               <a:pPr/>
-              <a:t>‹#›</a:t>
+              <a:t>‹Nr.›</a:t>
             </a:fld>
             <a:endParaRPr lang="de-DE">
               <a:solidFill>
@@ -17157,7 +17202,7 @@
                 </a:solidFill>
               </a:rPr>
               <a:pPr/>
-              <a:t>‹#›</a:t>
+              <a:t>‹Nr.›</a:t>
             </a:fld>
             <a:endParaRPr lang="de-DE">
               <a:solidFill>
@@ -17415,7 +17460,7 @@
                 </a:solidFill>
               </a:rPr>
               <a:pPr/>
-              <a:t>‹#›</a:t>
+              <a:t>‹Nr.›</a:t>
             </a:fld>
             <a:endParaRPr lang="de-DE">
               <a:solidFill>
@@ -17872,7 +17917,7 @@
                 </a:solidFill>
               </a:rPr>
               <a:pPr/>
-              <a:t>‹#›</a:t>
+              <a:t>‹Nr.›</a:t>
             </a:fld>
             <a:endParaRPr lang="de-DE">
               <a:solidFill>
@@ -18056,7 +18101,7 @@
                 </a:solidFill>
               </a:rPr>
               <a:pPr/>
-              <a:t>‹#›</a:t>
+              <a:t>‹Nr.›</a:t>
             </a:fld>
             <a:endParaRPr lang="de-DE">
               <a:solidFill>
@@ -18328,7 +18373,7 @@
             <a:fld id="{91D913BA-B0D8-4B51-9328-DFAA0B370309}" type="slidenum">
               <a:rPr lang="en-US" smtClean="0"/>
               <a:pPr/>
-              <a:t>‹#›</a:t>
+              <a:t>‹Nr.›</a:t>
             </a:fld>
             <a:endParaRPr lang="en-US" dirty="0"/>
           </a:p>
@@ -18710,7 +18755,7 @@
             <a:fld id="{91D913BA-B0D8-4B51-9328-DFAA0B370309}" type="slidenum">
               <a:rPr lang="en-US" b="1" smtClean="0"/>
               <a:pPr/>
-              <a:t>‹#›</a:t>
+              <a:t>‹Nr.›</a:t>
             </a:fld>
             <a:endParaRPr lang="en-US" b="1" dirty="0"/>
           </a:p>
@@ -19005,7 +19050,7 @@
             <a:fld id="{91D913BA-B0D8-4B51-9328-DFAA0B370309}" type="slidenum">
               <a:rPr lang="en-US" b="1" smtClean="0"/>
               <a:pPr/>
-              <a:t>‹#›</a:t>
+              <a:t>‹Nr.›</a:t>
             </a:fld>
             <a:endParaRPr lang="en-US" b="1" dirty="0"/>
           </a:p>
@@ -19300,7 +19345,7 @@
             <a:fld id="{91D913BA-B0D8-4B51-9328-DFAA0B370309}" type="slidenum">
               <a:rPr lang="en-US" b="1" smtClean="0"/>
               <a:pPr/>
-              <a:t>‹#›</a:t>
+              <a:t>‹Nr.›</a:t>
             </a:fld>
             <a:endParaRPr lang="en-US" b="1" dirty="0"/>
           </a:p>
@@ -19595,7 +19640,7 @@
             <a:fld id="{91D913BA-B0D8-4B51-9328-DFAA0B370309}" type="slidenum">
               <a:rPr lang="en-US" b="1" smtClean="0"/>
               <a:pPr/>
-              <a:t>‹#›</a:t>
+              <a:t>‹Nr.›</a:t>
             </a:fld>
             <a:endParaRPr lang="en-US" b="1" dirty="0"/>
           </a:p>
@@ -19943,7 +19988,7 @@
             <a:fld id="{91D913BA-B0D8-4B51-9328-DFAA0B370309}" type="slidenum">
               <a:rPr lang="en-US" smtClean="0"/>
               <a:pPr/>
-              <a:t>‹#›</a:t>
+              <a:t>‹Nr.›</a:t>
             </a:fld>
             <a:endParaRPr lang="en-US" dirty="0"/>
           </a:p>
@@ -22091,7 +22136,7 @@
                   <a:spcPct val="0"/>
                 </a:spcAft>
               </a:pPr>
-              <a:t>‹#›</a:t>
+              <a:t>‹Nr.›</a:t>
             </a:fld>
             <a:endParaRPr lang="de-DE">
               <a:solidFill>
@@ -24379,7 +24424,7 @@
                   <a:spcPct val="0"/>
                 </a:spcAft>
               </a:pPr>
-              <a:t>‹#›</a:t>
+              <a:t>‹Nr.›</a:t>
             </a:fld>
             <a:endParaRPr lang="de-DE">
               <a:solidFill>
@@ -27545,16 +27590,14 @@
           <a:lstStyle/>
           <a:p>
             <a:r>
-              <a:rPr lang="en-DE" dirty="0"/>
-              <a:t>Todo: add integrated model (Timo S</a:t>
-            </a:r>
-            <a:r>
-              <a:rPr lang="en-DE" dirty="0">
-                <a:sym typeface="Wingdings" pitchFamily="2" charset="2"/>
+              <a:rPr lang="de-DE">
+                <a:ea typeface="Verdana"/>
               </a:rPr>
-              <a:t>)</a:t>
-            </a:r>
-            <a:endParaRPr lang="en-DE" dirty="0"/>
+              <a:t>  </a:t>
+            </a:r>
+            <a:endParaRPr lang="de-DE" dirty="0">
+              <a:ea typeface="Verdana"/>
+            </a:endParaRPr>
           </a:p>
         </p:txBody>
       </p:sp>
@@ -27678,6 +27721,36 @@
           </a:p>
         </p:txBody>
       </p:sp>
+      <p:pic>
+        <p:nvPicPr>
+          <p:cNvPr id="7" name="Grafik 7" descr="Ein Bild, das Tisch enthält.&#10;&#10;Beschreibung automatisch generiert.">
+            <a:extLst>
+              <a:ext uri="{FF2B5EF4-FFF2-40B4-BE49-F238E27FC236}">
+                <a16:creationId xmlns:a16="http://schemas.microsoft.com/office/drawing/2014/main" id="{D7A1BF2E-9D87-3320-1A52-106BA924F2C0}"/>
+              </a:ext>
+            </a:extLst>
+          </p:cNvPr>
+          <p:cNvPicPr>
+            <a:picLocks noChangeAspect="1"/>
+          </p:cNvPicPr>
+          <p:nvPr/>
+        </p:nvPicPr>
+        <p:blipFill>
+          <a:blip r:embed="rId2"/>
+          <a:stretch>
+            <a:fillRect/>
+          </a:stretch>
+        </p:blipFill>
+        <p:spPr>
+          <a:xfrm>
+            <a:off x="511420" y="1509291"/>
+            <a:ext cx="7989276" cy="2088282"/>
+          </a:xfrm>
+          <a:prstGeom prst="rect">
+            <a:avLst/>
+          </a:prstGeom>
+        </p:spPr>
+      </p:pic>
     </p:spTree>
     <p:extLst>
       <p:ext uri="{BB962C8B-B14F-4D97-AF65-F5344CB8AC3E}">

--- a/1_preparation/T_Square_Preparation_Slides.pptx
+++ b/1_preparation/T_Square_Preparation_Slides.pptx
@@ -395,7 +395,7 @@
             <a:fld id="{AA592FF2-A4BD-4E98-AC76-A10007E04C10}" type="datetimeFigureOut">
               <a:rPr lang="en-US" smtClean="0"/>
               <a:pPr/>
-              <a:t>5/10/2023</a:t>
+              <a:t>5/11/23</a:t>
             </a:fld>
             <a:endParaRPr lang="en-US" dirty="0"/>
           </a:p>
@@ -466,7 +466,7 @@
             <a:fld id="{4CBF50E3-ED67-46F2-ABFC-A36EE1082CF7}" type="slidenum">
               <a:rPr lang="en-US" b="1" smtClean="0"/>
               <a:pPr/>
-              <a:t>‹Nr.›</a:t>
+              <a:t>‹#›</a:t>
             </a:fld>
             <a:endParaRPr lang="en-US" b="1" dirty="0"/>
           </a:p>
@@ -1252,7 +1252,7 @@
             <a:fld id="{AA592FF2-A4BD-4E98-AC76-A10007E04C10}" type="datetimeFigureOut">
               <a:rPr lang="en-US" smtClean="0"/>
               <a:pPr/>
-              <a:t>5/10/2023</a:t>
+              <a:t>5/11/23</a:t>
             </a:fld>
             <a:endParaRPr lang="en-US" dirty="0"/>
           </a:p>
@@ -1413,7 +1413,7 @@
             <a:fld id="{4CBF50E3-ED67-46F2-ABFC-A36EE1082CF7}" type="slidenum">
               <a:rPr lang="en-US" b="1" smtClean="0"/>
               <a:pPr/>
-              <a:t>‹Nr.›</a:t>
+              <a:t>‹#›</a:t>
             </a:fld>
             <a:endParaRPr lang="en-US" b="1" dirty="0"/>
           </a:p>
@@ -3227,7 +3227,7 @@
             <a:fld id="{91D913BA-B0D8-4B51-9328-DFAA0B370309}" type="slidenum">
               <a:rPr lang="en-US" b="1" smtClean="0"/>
               <a:pPr/>
-              <a:t>‹Nr.›</a:t>
+              <a:t>‹#›</a:t>
             </a:fld>
             <a:endParaRPr lang="en-US" b="1" dirty="0"/>
           </a:p>
@@ -6102,7 +6102,7 @@
                 </a:solidFill>
               </a:rPr>
               <a:pPr/>
-              <a:t>‹Nr.›</a:t>
+              <a:t>‹#›</a:t>
             </a:fld>
             <a:endParaRPr lang="de-DE">
               <a:solidFill>
@@ -6339,7 +6339,7 @@
                 </a:solidFill>
               </a:rPr>
               <a:pPr/>
-              <a:t>‹Nr.›</a:t>
+              <a:t>‹#›</a:t>
             </a:fld>
             <a:endParaRPr lang="de-DE">
               <a:solidFill>
@@ -6559,7 +6559,7 @@
                 </a:solidFill>
               </a:rPr>
               <a:pPr/>
-              <a:t>‹Nr.›</a:t>
+              <a:t>‹#›</a:t>
             </a:fld>
             <a:endParaRPr lang="de-DE">
               <a:solidFill>
@@ -6874,7 +6874,7 @@
                 </a:solidFill>
               </a:rPr>
               <a:pPr/>
-              <a:t>‹Nr.›</a:t>
+              <a:t>‹#›</a:t>
             </a:fld>
             <a:endParaRPr lang="de-DE">
               <a:solidFill>
@@ -7616,7 +7616,7 @@
                 </a:solidFill>
               </a:rPr>
               <a:pPr/>
-              <a:t>‹Nr.›</a:t>
+              <a:t>‹#›</a:t>
             </a:fld>
             <a:endParaRPr lang="de-DE">
               <a:solidFill>
@@ -8810,7 +8810,7 @@
                 </a:solidFill>
               </a:rPr>
               <a:pPr/>
-              <a:t>‹Nr.›</a:t>
+              <a:t>‹#›</a:t>
             </a:fld>
             <a:endParaRPr lang="de-DE">
               <a:solidFill>
@@ -9136,7 +9136,7 @@
                 </a:solidFill>
               </a:rPr>
               <a:pPr/>
-              <a:t>‹Nr.›</a:t>
+              <a:t>‹#›</a:t>
             </a:fld>
             <a:endParaRPr lang="de-DE">
               <a:solidFill>
@@ -9462,7 +9462,7 @@
                 </a:solidFill>
               </a:rPr>
               <a:pPr/>
-              <a:t>‹Nr.›</a:t>
+              <a:t>‹#›</a:t>
             </a:fld>
             <a:endParaRPr lang="de-DE">
               <a:solidFill>
@@ -9788,7 +9788,7 @@
                 </a:solidFill>
               </a:rPr>
               <a:pPr/>
-              <a:t>‹Nr.›</a:t>
+              <a:t>‹#›</a:t>
             </a:fld>
             <a:endParaRPr lang="de-DE">
               <a:solidFill>
@@ -10046,7 +10046,7 @@
                 </a:solidFill>
               </a:rPr>
               <a:pPr/>
-              <a:t>‹Nr.›</a:t>
+              <a:t>‹#›</a:t>
             </a:fld>
             <a:endParaRPr lang="de-DE">
               <a:solidFill>
@@ -10525,7 +10525,7 @@
                 </a:solidFill>
               </a:rPr>
               <a:pPr/>
-              <a:t>‹Nr.›</a:t>
+              <a:t>‹#›</a:t>
             </a:fld>
             <a:endParaRPr lang="de-DE">
               <a:solidFill>
@@ -10709,7 +10709,7 @@
                 </a:solidFill>
               </a:rPr>
               <a:pPr/>
-              <a:t>‹Nr.›</a:t>
+              <a:t>‹#›</a:t>
             </a:fld>
             <a:endParaRPr lang="de-DE">
               <a:solidFill>
@@ -11469,7 +11469,7 @@
             <a:fld id="{91D913BA-B0D8-4B51-9328-DFAA0B370309}" type="slidenum">
               <a:rPr lang="en-US" b="1" smtClean="0"/>
               <a:pPr/>
-              <a:t>‹Nr.›</a:t>
+              <a:t>‹#›</a:t>
             </a:fld>
             <a:endParaRPr lang="en-US" b="1" dirty="0"/>
           </a:p>
@@ -13542,7 +13542,7 @@
                 </a:solidFill>
               </a:rPr>
               <a:pPr/>
-              <a:t>‹Nr.›</a:t>
+              <a:t>‹#›</a:t>
             </a:fld>
             <a:endParaRPr lang="de-DE">
               <a:solidFill>
@@ -13779,7 +13779,7 @@
                 </a:solidFill>
               </a:rPr>
               <a:pPr/>
-              <a:t>‹Nr.›</a:t>
+              <a:t>‹#›</a:t>
             </a:fld>
             <a:endParaRPr lang="de-DE">
               <a:solidFill>
@@ -13999,7 +13999,7 @@
                 </a:solidFill>
               </a:rPr>
               <a:pPr/>
-              <a:t>‹Nr.›</a:t>
+              <a:t>‹#›</a:t>
             </a:fld>
             <a:endParaRPr lang="de-DE">
               <a:solidFill>
@@ -14314,7 +14314,7 @@
                 </a:solidFill>
               </a:rPr>
               <a:pPr/>
-              <a:t>‹Nr.›</a:t>
+              <a:t>‹#›</a:t>
             </a:fld>
             <a:endParaRPr lang="de-DE">
               <a:solidFill>
@@ -14775,7 +14775,7 @@
                 </a:solidFill>
               </a:rPr>
               <a:pPr/>
-              <a:t>‹Nr.›</a:t>
+              <a:t>‹#›</a:t>
             </a:fld>
             <a:endParaRPr lang="de-DE">
               <a:solidFill>
@@ -15969,7 +15969,7 @@
                 </a:solidFill>
               </a:rPr>
               <a:pPr/>
-              <a:t>‹Nr.›</a:t>
+              <a:t>‹#›</a:t>
             </a:fld>
             <a:endParaRPr lang="de-DE">
               <a:solidFill>
@@ -16295,7 +16295,7 @@
                 </a:solidFill>
               </a:rPr>
               <a:pPr/>
-              <a:t>‹Nr.›</a:t>
+              <a:t>‹#›</a:t>
             </a:fld>
             <a:endParaRPr lang="de-DE">
               <a:solidFill>
@@ -16607,7 +16607,7 @@
             <a:fld id="{91D913BA-B0D8-4B51-9328-DFAA0B370309}" type="slidenum">
               <a:rPr lang="en-US" b="1" smtClean="0"/>
               <a:pPr/>
-              <a:t>‹Nr.›</a:t>
+              <a:t>‹#›</a:t>
             </a:fld>
             <a:endParaRPr lang="en-US" b="1" dirty="0"/>
           </a:p>
@@ -16876,7 +16876,7 @@
                 </a:solidFill>
               </a:rPr>
               <a:pPr/>
-              <a:t>‹Nr.›</a:t>
+              <a:t>‹#›</a:t>
             </a:fld>
             <a:endParaRPr lang="de-DE">
               <a:solidFill>
@@ -17202,7 +17202,7 @@
                 </a:solidFill>
               </a:rPr>
               <a:pPr/>
-              <a:t>‹Nr.›</a:t>
+              <a:t>‹#›</a:t>
             </a:fld>
             <a:endParaRPr lang="de-DE">
               <a:solidFill>
@@ -17460,7 +17460,7 @@
                 </a:solidFill>
               </a:rPr>
               <a:pPr/>
-              <a:t>‹Nr.›</a:t>
+              <a:t>‹#›</a:t>
             </a:fld>
             <a:endParaRPr lang="de-DE">
               <a:solidFill>
@@ -17917,7 +17917,7 @@
                 </a:solidFill>
               </a:rPr>
               <a:pPr/>
-              <a:t>‹Nr.›</a:t>
+              <a:t>‹#›</a:t>
             </a:fld>
             <a:endParaRPr lang="de-DE">
               <a:solidFill>
@@ -18101,7 +18101,7 @@
                 </a:solidFill>
               </a:rPr>
               <a:pPr/>
-              <a:t>‹Nr.›</a:t>
+              <a:t>‹#›</a:t>
             </a:fld>
             <a:endParaRPr lang="de-DE">
               <a:solidFill>
@@ -18373,7 +18373,7 @@
             <a:fld id="{91D913BA-B0D8-4B51-9328-DFAA0B370309}" type="slidenum">
               <a:rPr lang="en-US" smtClean="0"/>
               <a:pPr/>
-              <a:t>‹Nr.›</a:t>
+              <a:t>‹#›</a:t>
             </a:fld>
             <a:endParaRPr lang="en-US" dirty="0"/>
           </a:p>
@@ -18755,7 +18755,7 @@
             <a:fld id="{91D913BA-B0D8-4B51-9328-DFAA0B370309}" type="slidenum">
               <a:rPr lang="en-US" b="1" smtClean="0"/>
               <a:pPr/>
-              <a:t>‹Nr.›</a:t>
+              <a:t>‹#›</a:t>
             </a:fld>
             <a:endParaRPr lang="en-US" b="1" dirty="0"/>
           </a:p>
@@ -19050,7 +19050,7 @@
             <a:fld id="{91D913BA-B0D8-4B51-9328-DFAA0B370309}" type="slidenum">
               <a:rPr lang="en-US" b="1" smtClean="0"/>
               <a:pPr/>
-              <a:t>‹Nr.›</a:t>
+              <a:t>‹#›</a:t>
             </a:fld>
             <a:endParaRPr lang="en-US" b="1" dirty="0"/>
           </a:p>
@@ -19345,7 +19345,7 @@
             <a:fld id="{91D913BA-B0D8-4B51-9328-DFAA0B370309}" type="slidenum">
               <a:rPr lang="en-US" b="1" smtClean="0"/>
               <a:pPr/>
-              <a:t>‹Nr.›</a:t>
+              <a:t>‹#›</a:t>
             </a:fld>
             <a:endParaRPr lang="en-US" b="1" dirty="0"/>
           </a:p>
@@ -19640,7 +19640,7 @@
             <a:fld id="{91D913BA-B0D8-4B51-9328-DFAA0B370309}" type="slidenum">
               <a:rPr lang="en-US" b="1" smtClean="0"/>
               <a:pPr/>
-              <a:t>‹Nr.›</a:t>
+              <a:t>‹#›</a:t>
             </a:fld>
             <a:endParaRPr lang="en-US" b="1" dirty="0"/>
           </a:p>
@@ -19988,7 +19988,7 @@
             <a:fld id="{91D913BA-B0D8-4B51-9328-DFAA0B370309}" type="slidenum">
               <a:rPr lang="en-US" smtClean="0"/>
               <a:pPr/>
-              <a:t>‹Nr.›</a:t>
+              <a:t>‹#›</a:t>
             </a:fld>
             <a:endParaRPr lang="en-US" dirty="0"/>
           </a:p>
@@ -22136,7 +22136,7 @@
                   <a:spcPct val="0"/>
                 </a:spcAft>
               </a:pPr>
-              <a:t>‹Nr.›</a:t>
+              <a:t>‹#›</a:t>
             </a:fld>
             <a:endParaRPr lang="de-DE">
               <a:solidFill>
@@ -24424,7 +24424,7 @@
                   <a:spcPct val="0"/>
                 </a:spcAft>
               </a:pPr>
-              <a:t>‹Nr.›</a:t>
+              <a:t>‹#›</a:t>
             </a:fld>
             <a:endParaRPr lang="de-DE">
               <a:solidFill>
@@ -26900,30 +26900,464 @@
           <a:lstStyle/>
           <a:p>
             <a:pPr marL="285750" indent="-285750">
+              <a:lnSpc>
+                <a:spcPct val="100000"/>
+              </a:lnSpc>
               <a:buFont typeface="Arial" panose="020B0604020202020204" pitchFamily="34" charset="0"/>
               <a:buChar char="•"/>
             </a:pPr>
             <a:r>
-              <a:rPr lang="x-none">
-                <a:hlinkClick r:id="rId2"/>
-              </a:rPr>
-              <a:t>https://opendata.rmv.de/site/start.html</a:t>
-            </a:r>
-            <a:endParaRPr lang="x-none"/>
+              <a:rPr lang="en-GB" sz="1000" dirty="0"/>
+              <a:t>HAFAS_ID: Id der </a:t>
+            </a:r>
+            <a:r>
+              <a:rPr lang="en-GB" sz="1000" dirty="0" err="1"/>
+              <a:t>Haltestelle</a:t>
+            </a:r>
+            <a:r>
+              <a:rPr lang="en-GB" sz="1000" dirty="0"/>
+              <a:t> </a:t>
+            </a:r>
+            <a:r>
+              <a:rPr lang="en-GB" sz="1000" dirty="0" err="1"/>
+              <a:t>im</a:t>
+            </a:r>
+            <a:r>
+              <a:rPr lang="en-GB" sz="1000" dirty="0"/>
+              <a:t> </a:t>
+            </a:r>
+            <a:r>
+              <a:rPr lang="en-GB" sz="1000" dirty="0" err="1"/>
+              <a:t>HaCon</a:t>
+            </a:r>
+            <a:r>
+              <a:rPr lang="en-GB" sz="1000" dirty="0"/>
+              <a:t> </a:t>
+            </a:r>
+            <a:r>
+              <a:rPr lang="en-GB" sz="1000" dirty="0" err="1"/>
+              <a:t>Fahrplan</a:t>
+            </a:r>
+            <a:r>
+              <a:rPr lang="en-GB" sz="1000" dirty="0"/>
+              <a:t>-</a:t>
+            </a:r>
+            <a:r>
+              <a:rPr lang="en-GB" sz="1000" dirty="0" err="1"/>
+              <a:t>Auskunfts</a:t>
+            </a:r>
+            <a:r>
+              <a:rPr lang="en-GB" sz="1000" dirty="0"/>
+              <a:t>-System (HAFAS)</a:t>
+            </a:r>
           </a:p>
           <a:p>
             <a:pPr marL="285750" indent="-285750">
+              <a:lnSpc>
+                <a:spcPct val="100000"/>
+              </a:lnSpc>
               <a:buFont typeface="Arial" panose="020B0604020202020204" pitchFamily="34" charset="0"/>
               <a:buChar char="•"/>
             </a:pPr>
             <a:r>
-              <a:rPr lang="en-GB" dirty="0"/>
-              <a:t>T</a:t>
-            </a:r>
-            <a:r>
-              <a:rPr lang="en-DE" dirty="0"/>
-              <a:t>odo: Beschreibung einfügen Timo B</a:t>
-            </a:r>
+              <a:rPr lang="en-GB" sz="1000" dirty="0"/>
+              <a:t>RMV_ID: ID der RMV für die </a:t>
+            </a:r>
+            <a:r>
+              <a:rPr lang="en-GB" sz="1000" dirty="0" err="1"/>
+              <a:t>Haltestelle</a:t>
+            </a:r>
+            <a:endParaRPr lang="en-GB" sz="1000" dirty="0"/>
+          </a:p>
+          <a:p>
+            <a:pPr marL="285750" indent="-285750">
+              <a:lnSpc>
+                <a:spcPct val="100000"/>
+              </a:lnSpc>
+              <a:buFont typeface="Arial" panose="020B0604020202020204" pitchFamily="34" charset="0"/>
+              <a:buChar char="•"/>
+            </a:pPr>
+            <a:r>
+              <a:rPr lang="en-GB" sz="1000" dirty="0"/>
+              <a:t>DHID: </a:t>
+            </a:r>
+            <a:r>
+              <a:rPr lang="en-GB" sz="1000" dirty="0" err="1"/>
+              <a:t>Deutschlandweit</a:t>
+            </a:r>
+            <a:r>
+              <a:rPr lang="en-GB" sz="1000" dirty="0"/>
+              <a:t> </a:t>
+            </a:r>
+            <a:r>
+              <a:rPr lang="en-GB" sz="1000" dirty="0" err="1"/>
+              <a:t>einheitliche</a:t>
+            </a:r>
+            <a:r>
+              <a:rPr lang="en-GB" sz="1000" dirty="0"/>
+              <a:t> </a:t>
+            </a:r>
+            <a:r>
+              <a:rPr lang="en-GB" sz="1000" dirty="0" err="1"/>
+              <a:t>Haltestellen</a:t>
+            </a:r>
+            <a:r>
+              <a:rPr lang="en-GB" sz="1000" dirty="0"/>
+              <a:t>-ID (DHID)</a:t>
+            </a:r>
+          </a:p>
+          <a:p>
+            <a:pPr marL="285750" indent="-285750">
+              <a:lnSpc>
+                <a:spcPct val="100000"/>
+              </a:lnSpc>
+              <a:buFont typeface="Arial" panose="020B0604020202020204" pitchFamily="34" charset="0"/>
+              <a:buChar char="•"/>
+            </a:pPr>
+            <a:r>
+              <a:rPr lang="en-GB" sz="1000" dirty="0"/>
+              <a:t>HST_NAME: Name der </a:t>
+            </a:r>
+            <a:r>
+              <a:rPr lang="en-GB" sz="1000" dirty="0" err="1"/>
+              <a:t>Haltestelle</a:t>
+            </a:r>
+            <a:r>
+              <a:rPr lang="en-GB" sz="1000" dirty="0"/>
+              <a:t> (</a:t>
+            </a:r>
+            <a:r>
+              <a:rPr lang="en-GB" sz="1000" dirty="0" err="1"/>
+              <a:t>Bsp</a:t>
+            </a:r>
+            <a:r>
+              <a:rPr lang="en-GB" sz="1000" dirty="0"/>
+              <a:t>. </a:t>
+            </a:r>
+            <a:r>
+              <a:rPr lang="en-GB" sz="1000" dirty="0" err="1"/>
+              <a:t>Hauptbahnhof</a:t>
+            </a:r>
+            <a:r>
+              <a:rPr lang="en-GB" sz="1000" dirty="0"/>
+              <a:t>)</a:t>
+            </a:r>
+          </a:p>
+          <a:p>
+            <a:pPr marL="285750" indent="-285750">
+              <a:lnSpc>
+                <a:spcPct val="100000"/>
+              </a:lnSpc>
+              <a:buFont typeface="Arial" panose="020B0604020202020204" pitchFamily="34" charset="0"/>
+              <a:buChar char="•"/>
+            </a:pPr>
+            <a:r>
+              <a:rPr lang="en-GB" sz="1000" dirty="0"/>
+              <a:t>NAME_FAHRPLAN: Name der </a:t>
+            </a:r>
+            <a:r>
+              <a:rPr lang="en-GB" sz="1000" dirty="0" err="1"/>
+              <a:t>Haltestelle</a:t>
+            </a:r>
+            <a:r>
+              <a:rPr lang="en-GB" sz="1000" dirty="0"/>
+              <a:t> </a:t>
+            </a:r>
+            <a:r>
+              <a:rPr lang="en-GB" sz="1000" dirty="0" err="1"/>
+              <a:t>im</a:t>
+            </a:r>
+            <a:r>
+              <a:rPr lang="en-GB" sz="1000" dirty="0"/>
+              <a:t> </a:t>
+            </a:r>
+            <a:r>
+              <a:rPr lang="en-GB" sz="1000" dirty="0" err="1"/>
+              <a:t>Fahrplan</a:t>
+            </a:r>
+            <a:r>
+              <a:rPr lang="en-GB" sz="1000" dirty="0"/>
+              <a:t> (</a:t>
+            </a:r>
+            <a:r>
+              <a:rPr lang="en-GB" sz="1000" dirty="0" err="1"/>
+              <a:t>Bsp</a:t>
+            </a:r>
+            <a:r>
+              <a:rPr lang="en-GB" sz="1000" dirty="0"/>
+              <a:t>. Marburg </a:t>
+            </a:r>
+            <a:r>
+              <a:rPr lang="en-GB" sz="1000" dirty="0" err="1"/>
+              <a:t>Hauptbahnhof</a:t>
+            </a:r>
+            <a:r>
+              <a:rPr lang="en-GB" sz="1000" dirty="0"/>
+              <a:t>)</a:t>
+            </a:r>
+          </a:p>
+          <a:p>
+            <a:pPr marL="285750" indent="-285750">
+              <a:lnSpc>
+                <a:spcPct val="100000"/>
+              </a:lnSpc>
+              <a:buFont typeface="Arial" panose="020B0604020202020204" pitchFamily="34" charset="0"/>
+              <a:buChar char="•"/>
+            </a:pPr>
+            <a:r>
+              <a:rPr lang="en-GB" sz="1000" dirty="0"/>
+              <a:t>X_IPL_WERT; Y_IPL_WERT; X_WGS84; Y_WGS84: </a:t>
+            </a:r>
+            <a:r>
+              <a:rPr lang="en-GB" sz="1000" dirty="0" err="1"/>
+              <a:t>Koordinaten</a:t>
+            </a:r>
+            <a:r>
+              <a:rPr lang="en-GB" sz="1000" dirty="0"/>
+              <a:t> der </a:t>
+            </a:r>
+            <a:r>
+              <a:rPr lang="en-GB" sz="1000" dirty="0" err="1"/>
+              <a:t>Haltestelle</a:t>
+            </a:r>
+            <a:endParaRPr lang="en-GB" sz="1000" dirty="0"/>
+          </a:p>
+          <a:p>
+            <a:pPr marL="285750" indent="-285750">
+              <a:lnSpc>
+                <a:spcPct val="100000"/>
+              </a:lnSpc>
+              <a:buFont typeface="Arial" panose="020B0604020202020204" pitchFamily="34" charset="0"/>
+              <a:buChar char="•"/>
+            </a:pPr>
+            <a:r>
+              <a:rPr lang="en-GB" sz="1000" dirty="0"/>
+              <a:t>LNO: Name der </a:t>
+            </a:r>
+            <a:r>
+              <a:rPr lang="en-GB" sz="1000" dirty="0" err="1"/>
+              <a:t>lokalen</a:t>
+            </a:r>
+            <a:r>
+              <a:rPr lang="en-GB" sz="1000" dirty="0"/>
+              <a:t> </a:t>
+            </a:r>
+            <a:r>
+              <a:rPr lang="en-GB" sz="1000" dirty="0" err="1"/>
+              <a:t>Nahververksorganisation</a:t>
+            </a:r>
+            <a:r>
+              <a:rPr lang="en-GB" sz="1000" dirty="0"/>
+              <a:t> (LNO)</a:t>
+            </a:r>
+          </a:p>
+          <a:p>
+            <a:pPr marL="285750" indent="-285750">
+              <a:lnSpc>
+                <a:spcPct val="100000"/>
+              </a:lnSpc>
+              <a:buFont typeface="Arial" panose="020B0604020202020204" pitchFamily="34" charset="0"/>
+              <a:buChar char="•"/>
+            </a:pPr>
+            <a:r>
+              <a:rPr lang="en-GB" sz="1000" dirty="0"/>
+              <a:t>IST_BAHNHOF: Flag, </a:t>
+            </a:r>
+            <a:r>
+              <a:rPr lang="en-GB" sz="1000" dirty="0" err="1"/>
+              <a:t>ob</a:t>
+            </a:r>
+            <a:r>
+              <a:rPr lang="en-GB" sz="1000" dirty="0"/>
+              <a:t> es </a:t>
+            </a:r>
+            <a:r>
+              <a:rPr lang="en-GB" sz="1000" dirty="0" err="1"/>
+              <a:t>sich</a:t>
+            </a:r>
+            <a:r>
+              <a:rPr lang="en-GB" sz="1000" dirty="0"/>
+              <a:t> </a:t>
+            </a:r>
+            <a:r>
+              <a:rPr lang="en-GB" sz="1000" dirty="0" err="1"/>
+              <a:t>bei</a:t>
+            </a:r>
+            <a:r>
+              <a:rPr lang="en-GB" sz="1000" dirty="0"/>
+              <a:t> der </a:t>
+            </a:r>
+            <a:r>
+              <a:rPr lang="en-GB" sz="1000" dirty="0" err="1"/>
+              <a:t>Haltestelle</a:t>
+            </a:r>
+            <a:r>
+              <a:rPr lang="en-GB" sz="1000" dirty="0"/>
+              <a:t> um </a:t>
+            </a:r>
+            <a:r>
+              <a:rPr lang="en-GB" sz="1000" dirty="0" err="1"/>
+              <a:t>einen</a:t>
+            </a:r>
+            <a:r>
+              <a:rPr lang="en-GB" sz="1000" dirty="0"/>
+              <a:t> </a:t>
+            </a:r>
+            <a:r>
+              <a:rPr lang="en-GB" sz="1000" dirty="0" err="1"/>
+              <a:t>Bahnhof</a:t>
+            </a:r>
+            <a:r>
+              <a:rPr lang="en-GB" sz="1000" dirty="0"/>
+              <a:t> </a:t>
+            </a:r>
+            <a:r>
+              <a:rPr lang="en-GB" sz="1000" dirty="0" err="1"/>
+              <a:t>handelt</a:t>
+            </a:r>
+            <a:endParaRPr lang="en-GB" sz="1000" dirty="0"/>
+          </a:p>
+          <a:p>
+            <a:pPr marL="285750" indent="-285750">
+              <a:lnSpc>
+                <a:spcPct val="100000"/>
+              </a:lnSpc>
+              <a:buFont typeface="Arial" panose="020B0604020202020204" pitchFamily="34" charset="0"/>
+              <a:buChar char="•"/>
+            </a:pPr>
+            <a:r>
+              <a:rPr lang="en-GB" sz="1000" dirty="0"/>
+              <a:t>GUELTIG_AB; GUELTIG_BIS: </a:t>
+            </a:r>
+            <a:r>
+              <a:rPr lang="en-GB" sz="1000" dirty="0" err="1"/>
+              <a:t>Gültigkeitsdaten</a:t>
+            </a:r>
+            <a:r>
+              <a:rPr lang="en-GB" sz="1000" dirty="0"/>
+              <a:t> der </a:t>
+            </a:r>
+            <a:r>
+              <a:rPr lang="en-GB" sz="1000" dirty="0" err="1"/>
+              <a:t>Haltestelle</a:t>
+            </a:r>
+            <a:endParaRPr lang="en-GB" sz="1000" dirty="0"/>
+          </a:p>
+          <a:p>
+            <a:pPr marL="285750" indent="-285750">
+              <a:lnSpc>
+                <a:spcPct val="100000"/>
+              </a:lnSpc>
+              <a:buFont typeface="Arial" panose="020B0604020202020204" pitchFamily="34" charset="0"/>
+              <a:buChar char="•"/>
+            </a:pPr>
+            <a:r>
+              <a:rPr lang="en-GB" sz="1000" dirty="0"/>
+              <a:t>VERBUND_1_ISTGLEICH_RMV: Flag </a:t>
+            </a:r>
+            <a:r>
+              <a:rPr lang="en-GB" sz="1000" dirty="0" err="1"/>
+              <a:t>zum</a:t>
+            </a:r>
+            <a:r>
+              <a:rPr lang="en-GB" sz="1000" dirty="0"/>
+              <a:t> </a:t>
+            </a:r>
+            <a:r>
+              <a:rPr lang="en-GB" sz="1000" dirty="0" err="1"/>
+              <a:t>Verbund</a:t>
+            </a:r>
+            <a:endParaRPr lang="en-GB" sz="1000" dirty="0"/>
+          </a:p>
+          <a:p>
+            <a:pPr marL="285750" indent="-285750">
+              <a:lnSpc>
+                <a:spcPct val="100000"/>
+              </a:lnSpc>
+              <a:buFont typeface="Arial" panose="020B0604020202020204" pitchFamily="34" charset="0"/>
+              <a:buChar char="•"/>
+            </a:pPr>
+            <a:r>
+              <a:rPr lang="en-GB" sz="1000" dirty="0"/>
+              <a:t>LAND; RP; LANDKREIS; GEMEINDENAME; ORTSTEILNAME; AGS_LAND; AGS_RP; AGS_LK; AGS_G; AGS_OT: </a:t>
+            </a:r>
+            <a:r>
+              <a:rPr lang="en-GB" sz="1000" dirty="0" err="1"/>
+              <a:t>Weitere</a:t>
+            </a:r>
+            <a:r>
+              <a:rPr lang="en-GB" sz="1000" dirty="0"/>
+              <a:t> </a:t>
+            </a:r>
+            <a:r>
+              <a:rPr lang="en-GB" sz="1000" dirty="0" err="1"/>
+              <a:t>Daten</a:t>
+            </a:r>
+            <a:r>
+              <a:rPr lang="en-GB" sz="1000" dirty="0"/>
+              <a:t> </a:t>
+            </a:r>
+            <a:r>
+              <a:rPr lang="en-GB" sz="1000" dirty="0" err="1"/>
+              <a:t>zur</a:t>
+            </a:r>
+            <a:r>
+              <a:rPr lang="en-GB" sz="1000" dirty="0"/>
+              <a:t> </a:t>
+            </a:r>
+            <a:r>
+              <a:rPr lang="en-GB" sz="1000" dirty="0" err="1"/>
+              <a:t>Örtlichkeit</a:t>
+            </a:r>
+            <a:endParaRPr lang="en-GB" sz="1000" dirty="0"/>
+          </a:p>
+          <a:p>
+            <a:pPr marL="285750" indent="-285750">
+              <a:lnSpc>
+                <a:spcPct val="100000"/>
+              </a:lnSpc>
+              <a:buFont typeface="Arial" panose="020B0604020202020204" pitchFamily="34" charset="0"/>
+              <a:buChar char="•"/>
+            </a:pPr>
+            <a:endParaRPr lang="en-GB" sz="1000" dirty="0"/>
+          </a:p>
+          <a:p>
+            <a:pPr marL="285750" indent="-285750">
+              <a:lnSpc>
+                <a:spcPct val="100000"/>
+              </a:lnSpc>
+              <a:buFont typeface="Arial" panose="020B0604020202020204" pitchFamily="34" charset="0"/>
+              <a:buChar char="•"/>
+            </a:pPr>
+            <a:endParaRPr lang="en-GB" sz="1000" dirty="0"/>
+          </a:p>
+          <a:p>
+            <a:pPr>
+              <a:lnSpc>
+                <a:spcPct val="100000"/>
+              </a:lnSpc>
+            </a:pPr>
+            <a:r>
+              <a:rPr lang="en-GB" sz="1000" dirty="0" err="1"/>
+              <a:t>Siehe</a:t>
+            </a:r>
+            <a:r>
+              <a:rPr lang="en-GB" sz="1000" dirty="0"/>
+              <a:t>: https://</a:t>
+            </a:r>
+            <a:r>
+              <a:rPr lang="en-GB" sz="1000" dirty="0" err="1"/>
+              <a:t>opendata.rmv.de</a:t>
+            </a:r>
+            <a:r>
+              <a:rPr lang="en-GB" sz="1000" dirty="0"/>
+              <a:t>/site/</a:t>
+            </a:r>
+            <a:r>
+              <a:rPr lang="en-GB" sz="1000" dirty="0" err="1"/>
+              <a:t>start.html</a:t>
+            </a:r>
+            <a:endParaRPr lang="en-DE" sz="1000" dirty="0"/>
           </a:p>
         </p:txBody>
       </p:sp>
@@ -26959,98 +27393,6 @@
               <a:rPr lang="en-DE" dirty="0"/>
               <a:t>RMV</a:t>
             </a:r>
-          </a:p>
-        </p:txBody>
-      </p:sp>
-      <p:sp>
-        <p:nvSpPr>
-          <p:cNvPr id="4" name="Date Placeholder 3">
-            <a:extLst>
-              <a:ext uri="{FF2B5EF4-FFF2-40B4-BE49-F238E27FC236}">
-                <a16:creationId xmlns:a16="http://schemas.microsoft.com/office/drawing/2014/main" id="{DABAC2DB-A633-C664-2CFA-19B9E0FCC130}"/>
-              </a:ext>
-            </a:extLst>
-          </p:cNvPr>
-          <p:cNvSpPr>
-            <a:spLocks noGrp="1"/>
-          </p:cNvSpPr>
-          <p:nvPr>
-            <p:ph type="dt" sz="half" idx="14"/>
-          </p:nvPr>
-        </p:nvSpPr>
-        <p:spPr/>
-        <p:txBody>
-          <a:bodyPr/>
-          <a:lstStyle/>
-          <a:p>
-            <a:r>
-              <a:rPr lang="en-US"/>
-              <a:t>Speaker, Job Description, Date if needed</a:t>
-            </a:r>
-            <a:endParaRPr lang="en-US" dirty="0"/>
-          </a:p>
-        </p:txBody>
-      </p:sp>
-      <p:sp>
-        <p:nvSpPr>
-          <p:cNvPr id="5" name="Footer Placeholder 4">
-            <a:extLst>
-              <a:ext uri="{FF2B5EF4-FFF2-40B4-BE49-F238E27FC236}">
-                <a16:creationId xmlns:a16="http://schemas.microsoft.com/office/drawing/2014/main" id="{514F6532-30F9-D425-AB12-F5078854DB61}"/>
-              </a:ext>
-            </a:extLst>
-          </p:cNvPr>
-          <p:cNvSpPr>
-            <a:spLocks noGrp="1"/>
-          </p:cNvSpPr>
-          <p:nvPr>
-            <p:ph type="ftr" sz="quarter" idx="15"/>
-          </p:nvPr>
-        </p:nvSpPr>
-        <p:spPr/>
-        <p:txBody>
-          <a:bodyPr/>
-          <a:lstStyle/>
-          <a:p>
-            <a:r>
-              <a:rPr lang="en-US"/>
-              <a:t>Presentation Title</a:t>
-            </a:r>
-            <a:endParaRPr lang="en-US" dirty="0"/>
-          </a:p>
-        </p:txBody>
-      </p:sp>
-      <p:sp>
-        <p:nvSpPr>
-          <p:cNvPr id="6" name="Slide Number Placeholder 5">
-            <a:extLst>
-              <a:ext uri="{FF2B5EF4-FFF2-40B4-BE49-F238E27FC236}">
-                <a16:creationId xmlns:a16="http://schemas.microsoft.com/office/drawing/2014/main" id="{E6A72E3B-560C-679D-B269-B1E31BEFB679}"/>
-              </a:ext>
-            </a:extLst>
-          </p:cNvPr>
-          <p:cNvSpPr>
-            <a:spLocks noGrp="1"/>
-          </p:cNvSpPr>
-          <p:nvPr>
-            <p:ph type="sldNum" sz="quarter" idx="16"/>
-          </p:nvPr>
-        </p:nvSpPr>
-        <p:spPr/>
-        <p:txBody>
-          <a:bodyPr/>
-          <a:lstStyle/>
-          <a:p>
-            <a:r>
-              <a:rPr lang="en-US"/>
-              <a:t>Chart </a:t>
-            </a:r>
-            <a:fld id="{91D913BA-B0D8-4B51-9328-DFAA0B370309}" type="slidenum">
-              <a:rPr lang="en-US" b="1" smtClean="0"/>
-              <a:pPr/>
-              <a:t>2</a:t>
-            </a:fld>
-            <a:endParaRPr lang="en-US" b="1" dirty="0"/>
           </a:p>
         </p:txBody>
       </p:sp>
@@ -27110,12 +27452,25 @@
               <a:buChar char="•"/>
             </a:pPr>
             <a:r>
-              <a:rPr lang="x-none">
-                <a:hlinkClick r:id="rId2"/>
-              </a:rPr>
-              <a:t>https://data.deutschebahn.com/dataset/data-haltestellen.html</a:t>
-            </a:r>
-            <a:endParaRPr lang="x-none"/>
+              <a:rPr lang="en-GB" sz="1000" dirty="0"/>
+              <a:t>EVA_NR: </a:t>
+            </a:r>
+            <a:r>
+              <a:rPr lang="en-GB" sz="1000" dirty="0" err="1"/>
+              <a:t>Nummer</a:t>
+            </a:r>
+            <a:r>
+              <a:rPr lang="en-GB" sz="1000" dirty="0"/>
+              <a:t> der </a:t>
+            </a:r>
+            <a:r>
+              <a:rPr lang="en-GB" sz="1000" dirty="0" err="1"/>
+              <a:t>Haltestelle</a:t>
+            </a:r>
+            <a:r>
+              <a:rPr lang="en-GB" sz="1000" dirty="0"/>
+              <a:t>, z. B. 8000001.</a:t>
+            </a:r>
           </a:p>
           <a:p>
             <a:pPr marL="285750" indent="-285750">
@@ -27123,13 +27478,319 @@
               <a:buChar char="•"/>
             </a:pPr>
             <a:r>
-              <a:rPr lang="en-GB" dirty="0"/>
-              <a:t>T</a:t>
-            </a:r>
-            <a:r>
-              <a:rPr lang="en-DE" dirty="0"/>
-              <a:t>odo: Beschreibung übernehmen (von Website) Timo B</a:t>
-            </a:r>
+              <a:rPr lang="en-GB" sz="1000" dirty="0"/>
+              <a:t>DS100: </a:t>
+            </a:r>
+            <a:r>
+              <a:rPr lang="en-GB" sz="1000" dirty="0" err="1"/>
+              <a:t>Verweis</a:t>
+            </a:r>
+            <a:r>
+              <a:rPr lang="en-GB" sz="1000" dirty="0"/>
+              <a:t> auf </a:t>
+            </a:r>
+            <a:r>
+              <a:rPr lang="en-GB" sz="1000" dirty="0" err="1"/>
+              <a:t>Betriebsstelle</a:t>
+            </a:r>
+            <a:r>
+              <a:rPr lang="en-GB" sz="1000" dirty="0"/>
+              <a:t>, z. B. KA.</a:t>
+            </a:r>
+          </a:p>
+          <a:p>
+            <a:pPr marL="285750" indent="-285750">
+              <a:buFont typeface="Arial" panose="020B0604020202020204" pitchFamily="34" charset="0"/>
+              <a:buChar char="•"/>
+            </a:pPr>
+            <a:r>
+              <a:rPr lang="en-GB" sz="1000" dirty="0"/>
+              <a:t>IFOPT: </a:t>
+            </a:r>
+            <a:r>
+              <a:rPr lang="en-GB" sz="1000" dirty="0" err="1"/>
+              <a:t>Deutschlandweiter</a:t>
+            </a:r>
+            <a:r>
+              <a:rPr lang="en-GB" sz="1000" dirty="0"/>
+              <a:t>, </a:t>
+            </a:r>
+            <a:r>
+              <a:rPr lang="en-GB" sz="1000" dirty="0" err="1"/>
+              <a:t>einheitlicher</a:t>
+            </a:r>
+            <a:r>
+              <a:rPr lang="en-GB" sz="1000" dirty="0"/>
+              <a:t> </a:t>
+            </a:r>
+            <a:r>
+              <a:rPr lang="en-GB" sz="1000" dirty="0" err="1"/>
+              <a:t>Haltestellenschlüssel</a:t>
+            </a:r>
+            <a:r>
+              <a:rPr lang="en-GB" sz="1000" dirty="0"/>
+              <a:t>, z. B. de:05334:1008</a:t>
+            </a:r>
+          </a:p>
+          <a:p>
+            <a:pPr marL="285750" indent="-285750">
+              <a:buFont typeface="Arial" panose="020B0604020202020204" pitchFamily="34" charset="0"/>
+              <a:buChar char="•"/>
+            </a:pPr>
+            <a:r>
+              <a:rPr lang="en-GB" sz="1000" dirty="0"/>
+              <a:t>NAME: Name der </a:t>
+            </a:r>
+            <a:r>
+              <a:rPr lang="en-GB" sz="1000" dirty="0" err="1"/>
+              <a:t>Haltestelle</a:t>
+            </a:r>
+            <a:r>
+              <a:rPr lang="en-GB" sz="1000" dirty="0"/>
+              <a:t>, z. B. Aachen </a:t>
+            </a:r>
+            <a:r>
+              <a:rPr lang="en-GB" sz="1000" dirty="0" err="1"/>
+              <a:t>Hbf</a:t>
+            </a:r>
+            <a:r>
+              <a:rPr lang="en-GB" sz="1000" dirty="0"/>
+              <a:t>.</a:t>
+            </a:r>
+          </a:p>
+          <a:p>
+            <a:pPr marL="285750" indent="-285750">
+              <a:buFont typeface="Arial" panose="020B0604020202020204" pitchFamily="34" charset="0"/>
+              <a:buChar char="•"/>
+            </a:pPr>
+            <a:r>
+              <a:rPr lang="en-GB" sz="1000" dirty="0"/>
+              <a:t>VERKEHR: </a:t>
+            </a:r>
+            <a:r>
+              <a:rPr lang="en-GB" sz="1000" dirty="0" err="1"/>
+              <a:t>Kann</a:t>
+            </a:r>
+            <a:r>
+              <a:rPr lang="en-GB" sz="1000" dirty="0"/>
+              <a:t> </a:t>
+            </a:r>
+            <a:r>
+              <a:rPr lang="en-GB" sz="1000" dirty="0" err="1"/>
+              <a:t>folgende</a:t>
+            </a:r>
+            <a:r>
+              <a:rPr lang="en-GB" sz="1000" dirty="0"/>
+              <a:t> </a:t>
+            </a:r>
+            <a:r>
+              <a:rPr lang="en-GB" sz="1000" dirty="0" err="1"/>
+              <a:t>Werte</a:t>
+            </a:r>
+            <a:r>
+              <a:rPr lang="en-GB" sz="1000" dirty="0"/>
+              <a:t> </a:t>
+            </a:r>
+            <a:r>
+              <a:rPr lang="en-GB" sz="1000" dirty="0" err="1"/>
+              <a:t>annehmen</a:t>
+            </a:r>
+            <a:r>
+              <a:rPr lang="en-GB" sz="1000" dirty="0"/>
+              <a:t> 'FV' (</a:t>
+            </a:r>
+            <a:r>
+              <a:rPr lang="en-GB" sz="1000" dirty="0" err="1"/>
+              <a:t>mit</a:t>
+            </a:r>
+            <a:r>
+              <a:rPr lang="en-GB" sz="1000" dirty="0"/>
+              <a:t> </a:t>
+            </a:r>
+            <a:r>
+              <a:rPr lang="en-GB" sz="1000" dirty="0" err="1"/>
+              <a:t>Fernverkehr</a:t>
+            </a:r>
+            <a:r>
+              <a:rPr lang="en-GB" sz="1000" dirty="0"/>
+              <a:t>), 'RV' (</a:t>
+            </a:r>
+            <a:r>
+              <a:rPr lang="en-GB" sz="1000" dirty="0" err="1"/>
+              <a:t>nur</a:t>
+            </a:r>
+            <a:r>
+              <a:rPr lang="en-GB" sz="1000" dirty="0"/>
+              <a:t> </a:t>
+            </a:r>
+            <a:r>
+              <a:rPr lang="en-GB" sz="1000" dirty="0" err="1"/>
+              <a:t>Regionalverkehr</a:t>
+            </a:r>
+            <a:r>
+              <a:rPr lang="en-GB" sz="1000" dirty="0"/>
+              <a:t>) </a:t>
+            </a:r>
+            <a:r>
+              <a:rPr lang="en-GB" sz="1000" dirty="0" err="1"/>
+              <a:t>oder</a:t>
+            </a:r>
+            <a:r>
+              <a:rPr lang="en-GB" sz="1000" dirty="0"/>
+              <a:t> '</a:t>
+            </a:r>
+            <a:r>
+              <a:rPr lang="en-GB" sz="1000" dirty="0" err="1"/>
+              <a:t>nur</a:t>
+            </a:r>
+            <a:r>
+              <a:rPr lang="en-GB" sz="1000" dirty="0"/>
+              <a:t> DPN' (</a:t>
+            </a:r>
+            <a:r>
+              <a:rPr lang="en-GB" sz="1000" dirty="0" err="1"/>
+              <a:t>nur</a:t>
+            </a:r>
+            <a:r>
+              <a:rPr lang="en-GB" sz="1000" dirty="0"/>
+              <a:t> </a:t>
+            </a:r>
+            <a:r>
+              <a:rPr lang="en-GB" sz="1000" dirty="0" err="1"/>
+              <a:t>Regionalverkehr</a:t>
+            </a:r>
+            <a:r>
+              <a:rPr lang="en-GB" sz="1000" dirty="0"/>
+              <a:t> von </a:t>
+            </a:r>
+            <a:r>
+              <a:rPr lang="en-GB" sz="1000" dirty="0" err="1"/>
+              <a:t>privaten</a:t>
+            </a:r>
+            <a:r>
+              <a:rPr lang="en-GB" sz="1000" dirty="0"/>
+              <a:t> </a:t>
+            </a:r>
+            <a:r>
+              <a:rPr lang="en-GB" sz="1000" dirty="0" err="1"/>
+              <a:t>Eisenbahnunternehmen</a:t>
+            </a:r>
+            <a:r>
+              <a:rPr lang="en-GB" sz="1000" dirty="0"/>
+              <a:t>).</a:t>
+            </a:r>
+          </a:p>
+          <a:p>
+            <a:pPr marL="285750" indent="-285750">
+              <a:buFont typeface="Arial" panose="020B0604020202020204" pitchFamily="34" charset="0"/>
+              <a:buChar char="•"/>
+            </a:pPr>
+            <a:r>
+              <a:rPr lang="en-GB" sz="1000" dirty="0"/>
+              <a:t>LAENGE: Longitude der </a:t>
+            </a:r>
+            <a:r>
+              <a:rPr lang="en-GB" sz="1000" dirty="0" err="1"/>
+              <a:t>Haltestelle</a:t>
+            </a:r>
+            <a:r>
+              <a:rPr lang="en-GB" sz="1000" dirty="0"/>
+              <a:t> in WGS84, z. B. 6.091499.</a:t>
+            </a:r>
+          </a:p>
+          <a:p>
+            <a:pPr marL="285750" indent="-285750">
+              <a:buFont typeface="Arial" panose="020B0604020202020204" pitchFamily="34" charset="0"/>
+              <a:buChar char="•"/>
+            </a:pPr>
+            <a:r>
+              <a:rPr lang="en-GB" sz="1000" dirty="0"/>
+              <a:t>BREITE: Latitude der </a:t>
+            </a:r>
+            <a:r>
+              <a:rPr lang="en-GB" sz="1000" dirty="0" err="1"/>
+              <a:t>Haltestelle</a:t>
+            </a:r>
+            <a:r>
+              <a:rPr lang="en-GB" sz="1000" dirty="0"/>
+              <a:t> in WGS84, z. B. 50.7678.</a:t>
+            </a:r>
+          </a:p>
+          <a:p>
+            <a:pPr marL="285750" indent="-285750">
+              <a:buFont typeface="Arial" panose="020B0604020202020204" pitchFamily="34" charset="0"/>
+              <a:buChar char="•"/>
+            </a:pPr>
+            <a:r>
+              <a:rPr lang="en-GB" sz="1000" dirty="0"/>
+              <a:t>STATUS: </a:t>
+            </a:r>
+            <a:r>
+              <a:rPr lang="en-GB" sz="1000" dirty="0" err="1"/>
+              <a:t>Hinweis</a:t>
+            </a:r>
+            <a:r>
+              <a:rPr lang="en-GB" sz="1000" dirty="0"/>
+              <a:t>, </a:t>
+            </a:r>
+            <a:r>
+              <a:rPr lang="en-GB" sz="1000" dirty="0" err="1"/>
+              <a:t>meist</a:t>
+            </a:r>
+            <a:r>
+              <a:rPr lang="en-GB" sz="1000" dirty="0"/>
+              <a:t> </a:t>
+            </a:r>
+            <a:r>
+              <a:rPr lang="en-GB" sz="1000" dirty="0" err="1"/>
+              <a:t>nicht</a:t>
+            </a:r>
+            <a:r>
+              <a:rPr lang="en-GB" sz="1000" dirty="0"/>
+              <a:t> </a:t>
+            </a:r>
+            <a:r>
+              <a:rPr lang="en-GB" sz="1000" dirty="0" err="1"/>
+              <a:t>verwendet</a:t>
+            </a:r>
+            <a:r>
+              <a:rPr lang="en-GB" sz="1000" dirty="0"/>
+              <a:t> z. B. neu</a:t>
+            </a:r>
+          </a:p>
+          <a:p>
+            <a:pPr marL="285750" indent="-285750">
+              <a:buFont typeface="Arial" panose="020B0604020202020204" pitchFamily="34" charset="0"/>
+              <a:buChar char="•"/>
+            </a:pPr>
+            <a:endParaRPr lang="en-GB" sz="1000" dirty="0"/>
+          </a:p>
+          <a:p>
+            <a:r>
+              <a:rPr lang="en-GB" sz="1000" dirty="0" err="1"/>
+              <a:t>Siehe</a:t>
+            </a:r>
+            <a:r>
+              <a:rPr lang="en-GB" sz="1000" dirty="0"/>
+              <a:t>: </a:t>
+            </a:r>
+            <a:r>
+              <a:rPr lang="x-none" sz="1000">
+                <a:hlinkClick r:id="rId2"/>
+              </a:rPr>
+              <a:t>https://data.deutschebahn.com/dataset/data-haltestellen.html</a:t>
+            </a:r>
+            <a:endParaRPr lang="de-DE" sz="1000" dirty="0"/>
+          </a:p>
+          <a:p>
+            <a:endParaRPr lang="en-GB" sz="1000" dirty="0"/>
+          </a:p>
+          <a:p>
+            <a:pPr marL="285750" indent="-285750">
+              <a:buFont typeface="Arial" panose="020B0604020202020204" pitchFamily="34" charset="0"/>
+              <a:buChar char="•"/>
+            </a:pPr>
+            <a:endParaRPr lang="x-none" sz="1000"/>
           </a:p>
         </p:txBody>
       </p:sp>
@@ -27165,98 +27826,6 @@
               <a:rPr lang="en-DE" dirty="0"/>
               <a:t>DB</a:t>
             </a:r>
-          </a:p>
-        </p:txBody>
-      </p:sp>
-      <p:sp>
-        <p:nvSpPr>
-          <p:cNvPr id="4" name="Date Placeholder 3">
-            <a:extLst>
-              <a:ext uri="{FF2B5EF4-FFF2-40B4-BE49-F238E27FC236}">
-                <a16:creationId xmlns:a16="http://schemas.microsoft.com/office/drawing/2014/main" id="{DABAC2DB-A633-C664-2CFA-19B9E0FCC130}"/>
-              </a:ext>
-            </a:extLst>
-          </p:cNvPr>
-          <p:cNvSpPr>
-            <a:spLocks noGrp="1"/>
-          </p:cNvSpPr>
-          <p:nvPr>
-            <p:ph type="dt" sz="half" idx="14"/>
-          </p:nvPr>
-        </p:nvSpPr>
-        <p:spPr/>
-        <p:txBody>
-          <a:bodyPr/>
-          <a:lstStyle/>
-          <a:p>
-            <a:r>
-              <a:rPr lang="en-US"/>
-              <a:t>Speaker, Job Description, Date if needed</a:t>
-            </a:r>
-            <a:endParaRPr lang="en-US" dirty="0"/>
-          </a:p>
-        </p:txBody>
-      </p:sp>
-      <p:sp>
-        <p:nvSpPr>
-          <p:cNvPr id="5" name="Footer Placeholder 4">
-            <a:extLst>
-              <a:ext uri="{FF2B5EF4-FFF2-40B4-BE49-F238E27FC236}">
-                <a16:creationId xmlns:a16="http://schemas.microsoft.com/office/drawing/2014/main" id="{514F6532-30F9-D425-AB12-F5078854DB61}"/>
-              </a:ext>
-            </a:extLst>
-          </p:cNvPr>
-          <p:cNvSpPr>
-            <a:spLocks noGrp="1"/>
-          </p:cNvSpPr>
-          <p:nvPr>
-            <p:ph type="ftr" sz="quarter" idx="15"/>
-          </p:nvPr>
-        </p:nvSpPr>
-        <p:spPr/>
-        <p:txBody>
-          <a:bodyPr/>
-          <a:lstStyle/>
-          <a:p>
-            <a:r>
-              <a:rPr lang="en-US"/>
-              <a:t>Presentation Title</a:t>
-            </a:r>
-            <a:endParaRPr lang="en-US" dirty="0"/>
-          </a:p>
-        </p:txBody>
-      </p:sp>
-      <p:sp>
-        <p:nvSpPr>
-          <p:cNvPr id="6" name="Slide Number Placeholder 5">
-            <a:extLst>
-              <a:ext uri="{FF2B5EF4-FFF2-40B4-BE49-F238E27FC236}">
-                <a16:creationId xmlns:a16="http://schemas.microsoft.com/office/drawing/2014/main" id="{E6A72E3B-560C-679D-B269-B1E31BEFB679}"/>
-              </a:ext>
-            </a:extLst>
-          </p:cNvPr>
-          <p:cNvSpPr>
-            <a:spLocks noGrp="1"/>
-          </p:cNvSpPr>
-          <p:nvPr>
-            <p:ph type="sldNum" sz="quarter" idx="16"/>
-          </p:nvPr>
-        </p:nvSpPr>
-        <p:spPr/>
-        <p:txBody>
-          <a:bodyPr/>
-          <a:lstStyle/>
-          <a:p>
-            <a:r>
-              <a:rPr lang="en-US"/>
-              <a:t>Chart </a:t>
-            </a:r>
-            <a:fld id="{91D913BA-B0D8-4B51-9328-DFAA0B370309}" type="slidenum">
-              <a:rPr lang="en-US" b="1" smtClean="0"/>
-              <a:pPr/>
-              <a:t>3</a:t>
-            </a:fld>
-            <a:endParaRPr lang="en-US" b="1" dirty="0"/>
           </a:p>
         </p:txBody>
       </p:sp>
@@ -27448,96 +28017,6 @@
           </a:p>
         </p:txBody>
       </p:sp>
-      <p:sp>
-        <p:nvSpPr>
-          <p:cNvPr id="4" name="Date Placeholder 3">
-            <a:extLst>
-              <a:ext uri="{FF2B5EF4-FFF2-40B4-BE49-F238E27FC236}">
-                <a16:creationId xmlns:a16="http://schemas.microsoft.com/office/drawing/2014/main" id="{731CCE99-E9BE-8B2E-B46A-F7B39C0DAB1B}"/>
-              </a:ext>
-            </a:extLst>
-          </p:cNvPr>
-          <p:cNvSpPr>
-            <a:spLocks noGrp="1"/>
-          </p:cNvSpPr>
-          <p:nvPr>
-            <p:ph type="dt" sz="half" idx="14"/>
-          </p:nvPr>
-        </p:nvSpPr>
-        <p:spPr/>
-        <p:txBody>
-          <a:bodyPr/>
-          <a:lstStyle/>
-          <a:p>
-            <a:r>
-              <a:rPr lang="en-US" dirty="0"/>
-              <a:t>Speaker, Job Description, Date if needed</a:t>
-            </a:r>
-          </a:p>
-        </p:txBody>
-      </p:sp>
-      <p:sp>
-        <p:nvSpPr>
-          <p:cNvPr id="5" name="Footer Placeholder 4">
-            <a:extLst>
-              <a:ext uri="{FF2B5EF4-FFF2-40B4-BE49-F238E27FC236}">
-                <a16:creationId xmlns:a16="http://schemas.microsoft.com/office/drawing/2014/main" id="{CD3F3F44-E6BC-9542-3B2D-A83F6384EA12}"/>
-              </a:ext>
-            </a:extLst>
-          </p:cNvPr>
-          <p:cNvSpPr>
-            <a:spLocks noGrp="1"/>
-          </p:cNvSpPr>
-          <p:nvPr>
-            <p:ph type="ftr" sz="quarter" idx="15"/>
-          </p:nvPr>
-        </p:nvSpPr>
-        <p:spPr/>
-        <p:txBody>
-          <a:bodyPr/>
-          <a:lstStyle/>
-          <a:p>
-            <a:r>
-              <a:rPr lang="en-US" dirty="0"/>
-              <a:t>Presentation Title</a:t>
-            </a:r>
-          </a:p>
-        </p:txBody>
-      </p:sp>
-      <p:sp>
-        <p:nvSpPr>
-          <p:cNvPr id="6" name="Slide Number Placeholder 5">
-            <a:extLst>
-              <a:ext uri="{FF2B5EF4-FFF2-40B4-BE49-F238E27FC236}">
-                <a16:creationId xmlns:a16="http://schemas.microsoft.com/office/drawing/2014/main" id="{FA7557FC-C360-7858-D65B-AD09089D3C25}"/>
-              </a:ext>
-            </a:extLst>
-          </p:cNvPr>
-          <p:cNvSpPr>
-            <a:spLocks noGrp="1"/>
-          </p:cNvSpPr>
-          <p:nvPr>
-            <p:ph type="sldNum" sz="quarter" idx="16"/>
-          </p:nvPr>
-        </p:nvSpPr>
-        <p:spPr/>
-        <p:txBody>
-          <a:bodyPr/>
-          <a:lstStyle/>
-          <a:p>
-            <a:r>
-              <a:rPr lang="en-US"/>
-              <a:t>Chart </a:t>
-            </a:r>
-            <a:fld id="{91D913BA-B0D8-4B51-9328-DFAA0B370309}" type="slidenum">
-              <a:rPr lang="en-US" b="1" smtClean="0"/>
-              <a:pPr/>
-              <a:t>4</a:t>
-            </a:fld>
-            <a:endParaRPr lang="en-US" b="1" dirty="0"/>
-          </a:p>
-        </p:txBody>
-      </p:sp>
     </p:spTree>
     <p:extLst>
       <p:ext uri="{BB962C8B-B14F-4D97-AF65-F5344CB8AC3E}">
@@ -27626,98 +28105,6 @@
               <a:rPr lang="en-DE" dirty="0"/>
               <a:t>ER Model</a:t>
             </a:r>
-          </a:p>
-        </p:txBody>
-      </p:sp>
-      <p:sp>
-        <p:nvSpPr>
-          <p:cNvPr id="4" name="Date Placeholder 3">
-            <a:extLst>
-              <a:ext uri="{FF2B5EF4-FFF2-40B4-BE49-F238E27FC236}">
-                <a16:creationId xmlns:a16="http://schemas.microsoft.com/office/drawing/2014/main" id="{4C37AB18-5D37-C638-3978-33BF5D1A151D}"/>
-              </a:ext>
-            </a:extLst>
-          </p:cNvPr>
-          <p:cNvSpPr>
-            <a:spLocks noGrp="1"/>
-          </p:cNvSpPr>
-          <p:nvPr>
-            <p:ph type="dt" sz="half" idx="14"/>
-          </p:nvPr>
-        </p:nvSpPr>
-        <p:spPr/>
-        <p:txBody>
-          <a:bodyPr/>
-          <a:lstStyle/>
-          <a:p>
-            <a:r>
-              <a:rPr lang="en-US"/>
-              <a:t>Speaker, Job Description, Date if needed</a:t>
-            </a:r>
-            <a:endParaRPr lang="en-US" dirty="0"/>
-          </a:p>
-        </p:txBody>
-      </p:sp>
-      <p:sp>
-        <p:nvSpPr>
-          <p:cNvPr id="5" name="Footer Placeholder 4">
-            <a:extLst>
-              <a:ext uri="{FF2B5EF4-FFF2-40B4-BE49-F238E27FC236}">
-                <a16:creationId xmlns:a16="http://schemas.microsoft.com/office/drawing/2014/main" id="{08207B56-90D5-AECA-7B16-57FEF11BFF9B}"/>
-              </a:ext>
-            </a:extLst>
-          </p:cNvPr>
-          <p:cNvSpPr>
-            <a:spLocks noGrp="1"/>
-          </p:cNvSpPr>
-          <p:nvPr>
-            <p:ph type="ftr" sz="quarter" idx="15"/>
-          </p:nvPr>
-        </p:nvSpPr>
-        <p:spPr/>
-        <p:txBody>
-          <a:bodyPr/>
-          <a:lstStyle/>
-          <a:p>
-            <a:r>
-              <a:rPr lang="en-US"/>
-              <a:t>Presentation Title</a:t>
-            </a:r>
-            <a:endParaRPr lang="en-US" dirty="0"/>
-          </a:p>
-        </p:txBody>
-      </p:sp>
-      <p:sp>
-        <p:nvSpPr>
-          <p:cNvPr id="6" name="Slide Number Placeholder 5">
-            <a:extLst>
-              <a:ext uri="{FF2B5EF4-FFF2-40B4-BE49-F238E27FC236}">
-                <a16:creationId xmlns:a16="http://schemas.microsoft.com/office/drawing/2014/main" id="{DA28976E-5C2C-39C3-DF12-553D8A92F3B1}"/>
-              </a:ext>
-            </a:extLst>
-          </p:cNvPr>
-          <p:cNvSpPr>
-            <a:spLocks noGrp="1"/>
-          </p:cNvSpPr>
-          <p:nvPr>
-            <p:ph type="sldNum" sz="quarter" idx="16"/>
-          </p:nvPr>
-        </p:nvSpPr>
-        <p:spPr/>
-        <p:txBody>
-          <a:bodyPr/>
-          <a:lstStyle/>
-          <a:p>
-            <a:r>
-              <a:rPr lang="en-US"/>
-              <a:t>Chart </a:t>
-            </a:r>
-            <a:fld id="{91D913BA-B0D8-4B51-9328-DFAA0B370309}" type="slidenum">
-              <a:rPr lang="en-US" b="1" smtClean="0"/>
-              <a:pPr/>
-              <a:t>5</a:t>
-            </a:fld>
-            <a:endParaRPr lang="en-US" b="1" dirty="0"/>
           </a:p>
         </p:txBody>
       </p:sp>
@@ -27857,98 +28244,6 @@
               <a:rPr lang="en-DE" dirty="0"/>
               <a:t>Links to the datasets</a:t>
             </a:r>
-          </a:p>
-        </p:txBody>
-      </p:sp>
-      <p:sp>
-        <p:nvSpPr>
-          <p:cNvPr id="4" name="Date Placeholder 3">
-            <a:extLst>
-              <a:ext uri="{FF2B5EF4-FFF2-40B4-BE49-F238E27FC236}">
-                <a16:creationId xmlns:a16="http://schemas.microsoft.com/office/drawing/2014/main" id="{1301046C-4842-AF30-07A2-513200CBC154}"/>
-              </a:ext>
-            </a:extLst>
-          </p:cNvPr>
-          <p:cNvSpPr>
-            <a:spLocks noGrp="1"/>
-          </p:cNvSpPr>
-          <p:nvPr>
-            <p:ph type="dt" sz="half" idx="14"/>
-          </p:nvPr>
-        </p:nvSpPr>
-        <p:spPr/>
-        <p:txBody>
-          <a:bodyPr/>
-          <a:lstStyle/>
-          <a:p>
-            <a:r>
-              <a:rPr lang="en-US"/>
-              <a:t>Speaker, Job Description, Date if needed</a:t>
-            </a:r>
-            <a:endParaRPr lang="en-US" dirty="0"/>
-          </a:p>
-        </p:txBody>
-      </p:sp>
-      <p:sp>
-        <p:nvSpPr>
-          <p:cNvPr id="5" name="Footer Placeholder 4">
-            <a:extLst>
-              <a:ext uri="{FF2B5EF4-FFF2-40B4-BE49-F238E27FC236}">
-                <a16:creationId xmlns:a16="http://schemas.microsoft.com/office/drawing/2014/main" id="{14A85ABB-30B1-0E7B-B8ED-870096449247}"/>
-              </a:ext>
-            </a:extLst>
-          </p:cNvPr>
-          <p:cNvSpPr>
-            <a:spLocks noGrp="1"/>
-          </p:cNvSpPr>
-          <p:nvPr>
-            <p:ph type="ftr" sz="quarter" idx="15"/>
-          </p:nvPr>
-        </p:nvSpPr>
-        <p:spPr/>
-        <p:txBody>
-          <a:bodyPr/>
-          <a:lstStyle/>
-          <a:p>
-            <a:r>
-              <a:rPr lang="en-US"/>
-              <a:t>Presentation Title</a:t>
-            </a:r>
-            <a:endParaRPr lang="en-US" dirty="0"/>
-          </a:p>
-        </p:txBody>
-      </p:sp>
-      <p:sp>
-        <p:nvSpPr>
-          <p:cNvPr id="6" name="Slide Number Placeholder 5">
-            <a:extLst>
-              <a:ext uri="{FF2B5EF4-FFF2-40B4-BE49-F238E27FC236}">
-                <a16:creationId xmlns:a16="http://schemas.microsoft.com/office/drawing/2014/main" id="{913C98B6-EDE6-ACAD-AA94-F688802D3FFC}"/>
-              </a:ext>
-            </a:extLst>
-          </p:cNvPr>
-          <p:cNvSpPr>
-            <a:spLocks noGrp="1"/>
-          </p:cNvSpPr>
-          <p:nvPr>
-            <p:ph type="sldNum" sz="quarter" idx="16"/>
-          </p:nvPr>
-        </p:nvSpPr>
-        <p:spPr/>
-        <p:txBody>
-          <a:bodyPr/>
-          <a:lstStyle/>
-          <a:p>
-            <a:r>
-              <a:rPr lang="en-US"/>
-              <a:t>Chart </a:t>
-            </a:r>
-            <a:fld id="{91D913BA-B0D8-4B51-9328-DFAA0B370309}" type="slidenum">
-              <a:rPr lang="en-US" b="1" smtClean="0"/>
-              <a:pPr/>
-              <a:t>6</a:t>
-            </a:fld>
-            <a:endParaRPr lang="en-US" b="1" dirty="0"/>
           </a:p>
         </p:txBody>
       </p:sp>
